--- a/現状/構造モデル.pptx
+++ b/現状/構造モデル.pptx
@@ -17,7 +17,7 @@
     <p:sldId id="277" r:id="rId5"/>
   </p:sldIdLst>
   <p:sldSz cx="12801600" cy="9601200" type="A3"/>
-  <p:notesSz cx="6888163" cy="10020300"/>
+  <p:notesSz cx="9990138" cy="14374813"/>
   <p:defaultTextStyle>
     <a:defPPr>
       <a:defRPr lang="ja-JP"/>
@@ -220,8 +220,8 @@
         </p:nvSpPr>
         <p:spPr bwMode="auto">
           <a:xfrm>
-            <a:off x="0" y="0"/>
-            <a:ext cx="2984496" cy="501166"/>
+            <a:off x="1" y="0"/>
+            <a:ext cx="4328516" cy="718957"/>
           </a:xfrm>
           <a:prstGeom prst="rect">
             <a:avLst/>
@@ -236,14 +236,14 @@
           <a:effectLst/>
         </p:spPr>
         <p:txBody>
-          <a:bodyPr vert="horz" wrap="square" lIns="93232" tIns="46616" rIns="93232" bIns="46616" numCol="1" anchor="t" anchorCtr="0" compatLnSpc="1">
+          <a:bodyPr vert="horz" wrap="square" lIns="134339" tIns="67170" rIns="134339" bIns="67170" numCol="1" anchor="t" anchorCtr="0" compatLnSpc="1">
             <a:prstTxWarp prst="textNoShape">
               <a:avLst/>
             </a:prstTxWarp>
           </a:bodyPr>
           <a:lstStyle>
-            <a:lvl1pPr defTabSz="932085">
-              <a:defRPr sz="1200">
+            <a:lvl1pPr defTabSz="1343051">
+              <a:defRPr sz="1700">
                 <a:ea typeface="ＭＳ Ｐゴシック" pitchFamily="50" charset="-128"/>
               </a:defRPr>
             </a:lvl1pPr>
@@ -274,8 +274,8 @@
         </p:nvSpPr>
         <p:spPr bwMode="auto">
           <a:xfrm>
-            <a:off x="3903667" y="0"/>
-            <a:ext cx="2984496" cy="501166"/>
+            <a:off x="5661623" y="0"/>
+            <a:ext cx="4328516" cy="718957"/>
           </a:xfrm>
           <a:prstGeom prst="rect">
             <a:avLst/>
@@ -290,14 +290,14 @@
           <a:effectLst/>
         </p:spPr>
         <p:txBody>
-          <a:bodyPr vert="horz" wrap="square" lIns="93232" tIns="46616" rIns="93232" bIns="46616" numCol="1" anchor="t" anchorCtr="0" compatLnSpc="1">
+          <a:bodyPr vert="horz" wrap="square" lIns="134339" tIns="67170" rIns="134339" bIns="67170" numCol="1" anchor="t" anchorCtr="0" compatLnSpc="1">
             <a:prstTxWarp prst="textNoShape">
               <a:avLst/>
             </a:prstTxWarp>
           </a:bodyPr>
           <a:lstStyle>
-            <a:lvl1pPr algn="r" defTabSz="932085">
-              <a:defRPr sz="1200">
+            <a:lvl1pPr algn="r" defTabSz="1343051">
+              <a:defRPr sz="1700">
                 <a:ea typeface="ＭＳ Ｐゴシック" pitchFamily="50" charset="-128"/>
               </a:defRPr>
             </a:lvl1pPr>
@@ -328,8 +328,8 @@
         </p:nvSpPr>
         <p:spPr bwMode="auto">
           <a:xfrm>
-            <a:off x="0" y="9519135"/>
-            <a:ext cx="2984496" cy="501165"/>
+            <a:off x="1" y="13655859"/>
+            <a:ext cx="4328516" cy="718955"/>
           </a:xfrm>
           <a:prstGeom prst="rect">
             <a:avLst/>
@@ -344,14 +344,14 @@
           <a:effectLst/>
         </p:spPr>
         <p:txBody>
-          <a:bodyPr vert="horz" wrap="square" lIns="93232" tIns="46616" rIns="93232" bIns="46616" numCol="1" anchor="b" anchorCtr="0" compatLnSpc="1">
+          <a:bodyPr vert="horz" wrap="square" lIns="134339" tIns="67170" rIns="134339" bIns="67170" numCol="1" anchor="b" anchorCtr="0" compatLnSpc="1">
             <a:prstTxWarp prst="textNoShape">
               <a:avLst/>
             </a:prstTxWarp>
           </a:bodyPr>
           <a:lstStyle>
-            <a:lvl1pPr defTabSz="932085">
-              <a:defRPr sz="1200">
+            <a:lvl1pPr defTabSz="1343051">
+              <a:defRPr sz="1700">
                 <a:ea typeface="ＭＳ Ｐゴシック" pitchFamily="50" charset="-128"/>
               </a:defRPr>
             </a:lvl1pPr>
@@ -382,8 +382,8 @@
         </p:nvSpPr>
         <p:spPr bwMode="auto">
           <a:xfrm>
-            <a:off x="3903667" y="9519135"/>
-            <a:ext cx="2984496" cy="501165"/>
+            <a:off x="5661623" y="13655859"/>
+            <a:ext cx="4328516" cy="718955"/>
           </a:xfrm>
           <a:prstGeom prst="rect">
             <a:avLst/>
@@ -398,14 +398,14 @@
           <a:effectLst/>
         </p:spPr>
         <p:txBody>
-          <a:bodyPr vert="horz" wrap="square" lIns="93232" tIns="46616" rIns="93232" bIns="46616" numCol="1" anchor="b" anchorCtr="0" compatLnSpc="1">
+          <a:bodyPr vert="horz" wrap="square" lIns="134339" tIns="67170" rIns="134339" bIns="67170" numCol="1" anchor="b" anchorCtr="0" compatLnSpc="1">
             <a:prstTxWarp prst="textNoShape">
               <a:avLst/>
             </a:prstTxWarp>
           </a:bodyPr>
           <a:lstStyle>
-            <a:lvl1pPr algn="r" defTabSz="932085">
-              <a:defRPr sz="1200"/>
+            <a:lvl1pPr algn="r" defTabSz="1343051">
+              <a:defRPr sz="1700"/>
             </a:lvl1pPr>
           </a:lstStyle>
           <a:p>
@@ -467,8 +467,8 @@
         </p:nvSpPr>
         <p:spPr bwMode="auto">
           <a:xfrm>
-            <a:off x="0" y="0"/>
-            <a:ext cx="2985245" cy="501166"/>
+            <a:off x="1" y="0"/>
+            <a:ext cx="4329603" cy="718957"/>
           </a:xfrm>
           <a:prstGeom prst="rect">
             <a:avLst/>
@@ -483,14 +483,14 @@
           <a:effectLst/>
         </p:spPr>
         <p:txBody>
-          <a:bodyPr vert="horz" wrap="square" lIns="43297" tIns="21648" rIns="43297" bIns="21648" numCol="1" anchor="t" anchorCtr="0" compatLnSpc="1">
+          <a:bodyPr vert="horz" wrap="square" lIns="62388" tIns="31193" rIns="62388" bIns="31193" numCol="1" anchor="t" anchorCtr="0" compatLnSpc="1">
             <a:prstTxWarp prst="textNoShape">
               <a:avLst/>
             </a:prstTxWarp>
           </a:bodyPr>
           <a:lstStyle>
             <a:lvl1pPr>
-              <a:defRPr sz="600">
+              <a:defRPr sz="900">
                 <a:ea typeface="ＭＳ Ｐゴシック" pitchFamily="50" charset="-128"/>
               </a:defRPr>
             </a:lvl1pPr>
@@ -521,8 +521,8 @@
         </p:nvSpPr>
         <p:spPr bwMode="auto">
           <a:xfrm>
-            <a:off x="3901420" y="0"/>
-            <a:ext cx="2985245" cy="501166"/>
+            <a:off x="5658364" y="0"/>
+            <a:ext cx="4329603" cy="718957"/>
           </a:xfrm>
           <a:prstGeom prst="rect">
             <a:avLst/>
@@ -537,14 +537,14 @@
           <a:effectLst/>
         </p:spPr>
         <p:txBody>
-          <a:bodyPr vert="horz" wrap="square" lIns="43297" tIns="21648" rIns="43297" bIns="21648" numCol="1" anchor="t" anchorCtr="0" compatLnSpc="1">
+          <a:bodyPr vert="horz" wrap="square" lIns="62388" tIns="31193" rIns="62388" bIns="31193" numCol="1" anchor="t" anchorCtr="0" compatLnSpc="1">
             <a:prstTxWarp prst="textNoShape">
               <a:avLst/>
             </a:prstTxWarp>
           </a:bodyPr>
           <a:lstStyle>
             <a:lvl1pPr algn="r">
-              <a:defRPr sz="600">
+              <a:defRPr sz="900">
                 <a:ea typeface="ＭＳ Ｐゴシック" pitchFamily="50" charset="-128"/>
               </a:defRPr>
             </a:lvl1pPr>
@@ -575,8 +575,8 @@
         </p:nvSpPr>
         <p:spPr bwMode="auto">
           <a:xfrm>
-            <a:off x="939800" y="750888"/>
-            <a:ext cx="5008563" cy="3757612"/>
+            <a:off x="1400175" y="1076325"/>
+            <a:ext cx="7189788" cy="5391150"/>
           </a:xfrm>
           <a:prstGeom prst="rect">
             <a:avLst/>
@@ -619,8 +619,8 @@
         </p:nvSpPr>
         <p:spPr bwMode="auto">
           <a:xfrm>
-            <a:off x="689191" y="4759944"/>
-            <a:ext cx="5510530" cy="4508985"/>
+            <a:off x="999557" y="6828469"/>
+            <a:ext cx="7992110" cy="6468451"/>
           </a:xfrm>
           <a:prstGeom prst="rect">
             <a:avLst/>
@@ -635,7 +635,7 @@
           <a:effectLst/>
         </p:spPr>
         <p:txBody>
-          <a:bodyPr vert="horz" wrap="square" lIns="43297" tIns="21648" rIns="43297" bIns="21648" numCol="1" anchor="t" anchorCtr="0" compatLnSpc="1">
+          <a:bodyPr vert="horz" wrap="square" lIns="62388" tIns="31193" rIns="62388" bIns="31193" numCol="1" anchor="t" anchorCtr="0" compatLnSpc="1">
             <a:prstTxWarp prst="textNoShape">
               <a:avLst/>
             </a:prstTxWarp>
@@ -728,8 +728,8 @@
         </p:nvSpPr>
         <p:spPr bwMode="auto">
           <a:xfrm>
-            <a:off x="0" y="9517628"/>
-            <a:ext cx="2985245" cy="501165"/>
+            <a:off x="1" y="13653698"/>
+            <a:ext cx="4329603" cy="718955"/>
           </a:xfrm>
           <a:prstGeom prst="rect">
             <a:avLst/>
@@ -744,14 +744,14 @@
           <a:effectLst/>
         </p:spPr>
         <p:txBody>
-          <a:bodyPr vert="horz" wrap="square" lIns="43297" tIns="21648" rIns="43297" bIns="21648" numCol="1" anchor="b" anchorCtr="0" compatLnSpc="1">
+          <a:bodyPr vert="horz" wrap="square" lIns="62388" tIns="31193" rIns="62388" bIns="31193" numCol="1" anchor="b" anchorCtr="0" compatLnSpc="1">
             <a:prstTxWarp prst="textNoShape">
               <a:avLst/>
             </a:prstTxWarp>
           </a:bodyPr>
           <a:lstStyle>
             <a:lvl1pPr>
-              <a:defRPr sz="600">
+              <a:defRPr sz="900">
                 <a:ea typeface="ＭＳ Ｐゴシック" pitchFamily="50" charset="-128"/>
               </a:defRPr>
             </a:lvl1pPr>
@@ -782,8 +782,8 @@
         </p:nvSpPr>
         <p:spPr bwMode="auto">
           <a:xfrm>
-            <a:off x="3901420" y="9517628"/>
-            <a:ext cx="2985245" cy="501165"/>
+            <a:off x="5658364" y="13653698"/>
+            <a:ext cx="4329603" cy="718955"/>
           </a:xfrm>
           <a:prstGeom prst="rect">
             <a:avLst/>
@@ -798,14 +798,14 @@
           <a:effectLst/>
         </p:spPr>
         <p:txBody>
-          <a:bodyPr vert="horz" wrap="square" lIns="43297" tIns="21648" rIns="43297" bIns="21648" numCol="1" anchor="b" anchorCtr="0" compatLnSpc="1">
+          <a:bodyPr vert="horz" wrap="square" lIns="62388" tIns="31193" rIns="62388" bIns="31193" numCol="1" anchor="b" anchorCtr="0" compatLnSpc="1">
             <a:prstTxWarp prst="textNoShape">
               <a:avLst/>
             </a:prstTxWarp>
           </a:bodyPr>
           <a:lstStyle>
             <a:lvl1pPr algn="r">
-              <a:defRPr sz="600"/>
+              <a:defRPr sz="900"/>
             </a:lvl1pPr>
           </a:lstStyle>
           <a:p>
@@ -1006,7 +1006,7 @@
           <a:bodyPr/>
           <a:lstStyle>
             <a:lvl1pPr eaLnBrk="0" hangingPunct="0">
-              <a:defRPr kumimoji="1" sz="800">
+              <a:defRPr kumimoji="1" sz="1200">
                 <a:solidFill>
                   <a:schemeClr val="tx1"/>
                 </a:solidFill>
@@ -1014,8 +1014,8 @@
                 <a:ea typeface="ＭＳ Ｐゴシック" panose="020B0600070205080204" pitchFamily="34" charset="-128"/>
               </a:defRPr>
             </a:lvl1pPr>
-            <a:lvl2pPr marL="351787" indent="-135303" eaLnBrk="0" hangingPunct="0">
-              <a:defRPr kumimoji="1" sz="800">
+            <a:lvl2pPr marL="506894" indent="-194959" eaLnBrk="0" hangingPunct="0">
+              <a:defRPr kumimoji="1" sz="1200">
                 <a:solidFill>
                   <a:schemeClr val="tx1"/>
                 </a:solidFill>
@@ -1023,8 +1023,8 @@
                 <a:ea typeface="ＭＳ Ｐゴシック" panose="020B0600070205080204" pitchFamily="34" charset="-128"/>
               </a:defRPr>
             </a:lvl2pPr>
-            <a:lvl3pPr marL="541211" indent="-108242" eaLnBrk="0" hangingPunct="0">
-              <a:defRPr kumimoji="1" sz="800">
+            <a:lvl3pPr marL="779836" indent="-155967" eaLnBrk="0" hangingPunct="0">
+              <a:defRPr kumimoji="1" sz="1200">
                 <a:solidFill>
                   <a:schemeClr val="tx1"/>
                 </a:solidFill>
@@ -1032,8 +1032,8 @@
                 <a:ea typeface="ＭＳ Ｐゴシック" panose="020B0600070205080204" pitchFamily="34" charset="-128"/>
               </a:defRPr>
             </a:lvl3pPr>
-            <a:lvl4pPr marL="757695" indent="-108242" eaLnBrk="0" hangingPunct="0">
-              <a:defRPr kumimoji="1" sz="800">
+            <a:lvl4pPr marL="1091770" indent="-155967" eaLnBrk="0" hangingPunct="0">
+              <a:defRPr kumimoji="1" sz="1200">
                 <a:solidFill>
                   <a:schemeClr val="tx1"/>
                 </a:solidFill>
@@ -1041,8 +1041,8 @@
                 <a:ea typeface="ＭＳ Ｐゴシック" panose="020B0600070205080204" pitchFamily="34" charset="-128"/>
               </a:defRPr>
             </a:lvl4pPr>
-            <a:lvl5pPr marL="974179" indent="-108242" eaLnBrk="0" hangingPunct="0">
-              <a:defRPr kumimoji="1" sz="800">
+            <a:lvl5pPr marL="1403705" indent="-155967" eaLnBrk="0" hangingPunct="0">
+              <a:defRPr kumimoji="1" sz="1200">
                 <a:solidFill>
                   <a:schemeClr val="tx1"/>
                 </a:solidFill>
@@ -1050,14 +1050,14 @@
                 <a:ea typeface="ＭＳ Ｐゴシック" panose="020B0600070205080204" pitchFamily="34" charset="-128"/>
               </a:defRPr>
             </a:lvl5pPr>
-            <a:lvl6pPr marL="1190663" indent="-108242" eaLnBrk="0" fontAlgn="base" hangingPunct="0">
+            <a:lvl6pPr marL="1715639" indent="-155967" eaLnBrk="0" fontAlgn="base" hangingPunct="0">
               <a:spcBef>
                 <a:spcPct val="0"/>
               </a:spcBef>
               <a:spcAft>
                 <a:spcPct val="0"/>
               </a:spcAft>
-              <a:defRPr kumimoji="1" sz="800">
+              <a:defRPr kumimoji="1" sz="1200">
                 <a:solidFill>
                   <a:schemeClr val="tx1"/>
                 </a:solidFill>
@@ -1065,14 +1065,14 @@
                 <a:ea typeface="ＭＳ Ｐゴシック" panose="020B0600070205080204" pitchFamily="34" charset="-128"/>
               </a:defRPr>
             </a:lvl6pPr>
-            <a:lvl7pPr marL="1407147" indent="-108242" eaLnBrk="0" fontAlgn="base" hangingPunct="0">
+            <a:lvl7pPr marL="2027574" indent="-155967" eaLnBrk="0" fontAlgn="base" hangingPunct="0">
               <a:spcBef>
                 <a:spcPct val="0"/>
               </a:spcBef>
               <a:spcAft>
                 <a:spcPct val="0"/>
               </a:spcAft>
-              <a:defRPr kumimoji="1" sz="800">
+              <a:defRPr kumimoji="1" sz="1200">
                 <a:solidFill>
                   <a:schemeClr val="tx1"/>
                 </a:solidFill>
@@ -1080,14 +1080,14 @@
                 <a:ea typeface="ＭＳ Ｐゴシック" panose="020B0600070205080204" pitchFamily="34" charset="-128"/>
               </a:defRPr>
             </a:lvl7pPr>
-            <a:lvl8pPr marL="1623632" indent="-108242" eaLnBrk="0" fontAlgn="base" hangingPunct="0">
+            <a:lvl8pPr marL="2339508" indent="-155967" eaLnBrk="0" fontAlgn="base" hangingPunct="0">
               <a:spcBef>
                 <a:spcPct val="0"/>
               </a:spcBef>
               <a:spcAft>
                 <a:spcPct val="0"/>
               </a:spcAft>
-              <a:defRPr kumimoji="1" sz="800">
+              <a:defRPr kumimoji="1" sz="1200">
                 <a:solidFill>
                   <a:schemeClr val="tx1"/>
                 </a:solidFill>
@@ -1095,14 +1095,14 @@
                 <a:ea typeface="ＭＳ Ｐゴシック" panose="020B0600070205080204" pitchFamily="34" charset="-128"/>
               </a:defRPr>
             </a:lvl8pPr>
-            <a:lvl9pPr marL="1840116" indent="-108242" eaLnBrk="0" fontAlgn="base" hangingPunct="0">
+            <a:lvl9pPr marL="2651442" indent="-155967" eaLnBrk="0" fontAlgn="base" hangingPunct="0">
               <a:spcBef>
                 <a:spcPct val="0"/>
               </a:spcBef>
               <a:spcAft>
                 <a:spcPct val="0"/>
               </a:spcAft>
-              <a:defRPr kumimoji="1" sz="800">
+              <a:defRPr kumimoji="1" sz="1200">
                 <a:solidFill>
                   <a:schemeClr val="tx1"/>
                 </a:solidFill>
@@ -1114,11 +1114,11 @@
           <a:p>
             <a:pPr eaLnBrk="1" hangingPunct="1"/>
             <a:fld id="{C5DB9EE4-A8CE-D847-B8E4-F9D0D400AE19}" type="slidenum">
-              <a:rPr lang="en-US" altLang="ja-JP" sz="600"/>
+              <a:rPr lang="en-US" altLang="ja-JP" sz="900"/>
               <a:pPr eaLnBrk="1" hangingPunct="1"/>
               <a:t>1</a:t>
             </a:fld>
-            <a:endParaRPr lang="en-US" altLang="ja-JP" sz="600"/>
+            <a:endParaRPr lang="en-US" altLang="ja-JP" sz="900"/>
           </a:p>
         </p:txBody>
       </p:sp>
@@ -4289,7 +4289,7 @@
         </p:nvSpPr>
         <p:spPr>
           <a:xfrm>
-            <a:off x="7670181" y="695896"/>
+            <a:off x="7670181" y="408112"/>
             <a:ext cx="2520000" cy="1152297"/>
           </a:xfrm>
           <a:prstGeom prst="roundRect">
@@ -4341,7 +4341,7 @@
         </p:nvSpPr>
         <p:spPr>
           <a:xfrm>
-            <a:off x="5150181" y="695896"/>
+            <a:off x="5150181" y="408112"/>
             <a:ext cx="2520000" cy="1080368"/>
           </a:xfrm>
           <a:prstGeom prst="roundRect">
@@ -4393,7 +4393,7 @@
         </p:nvSpPr>
         <p:spPr>
           <a:xfrm>
-            <a:off x="2626849" y="695896"/>
+            <a:off x="2626849" y="408112"/>
             <a:ext cx="2520000" cy="1368400"/>
           </a:xfrm>
           <a:prstGeom prst="roundRect">
@@ -4447,7 +4447,7 @@
         </p:nvSpPr>
         <p:spPr>
           <a:xfrm>
-            <a:off x="100800" y="480120"/>
+            <a:off x="100800" y="192088"/>
             <a:ext cx="2520000" cy="1224384"/>
           </a:xfrm>
           <a:prstGeom prst="roundRect">
@@ -4494,8 +4494,8 @@
         </p:nvSpPr>
         <p:spPr>
           <a:xfrm>
-            <a:off x="100800" y="1201128"/>
-            <a:ext cx="12600000" cy="8352000"/>
+            <a:off x="100800" y="911007"/>
+            <a:ext cx="12600000" cy="8640960"/>
           </a:xfrm>
           <a:prstGeom prst="rect">
             <a:avLst/>
@@ -4542,7 +4542,7 @@
         </p:nvSpPr>
         <p:spPr>
           <a:xfrm>
-            <a:off x="284707" y="604595"/>
+            <a:off x="284707" y="336104"/>
             <a:ext cx="2122161" cy="430887"/>
           </a:xfrm>
           <a:prstGeom prst="rect">
@@ -4635,7 +4635,7 @@
         </p:nvSpPr>
         <p:spPr>
           <a:xfrm>
-            <a:off x="2887906" y="734907"/>
+            <a:off x="2887906" y="480120"/>
             <a:ext cx="2002046" cy="430887"/>
           </a:xfrm>
           <a:prstGeom prst="rect">
@@ -4732,7 +4732,7 @@
         </p:nvSpPr>
         <p:spPr>
           <a:xfrm>
-            <a:off x="5159562" y="739023"/>
+            <a:off x="5159562" y="480120"/>
             <a:ext cx="2577483" cy="446276"/>
           </a:xfrm>
           <a:prstGeom prst="rect">
@@ -4829,7 +4829,7 @@
         </p:nvSpPr>
         <p:spPr>
           <a:xfrm>
-            <a:off x="8207348" y="729467"/>
+            <a:off x="8207348" y="480120"/>
             <a:ext cx="1445666" cy="430887"/>
           </a:xfrm>
           <a:prstGeom prst="rect">
@@ -4926,7 +4926,7 @@
         </p:nvSpPr>
         <p:spPr>
           <a:xfrm>
-            <a:off x="116230" y="1204744"/>
+            <a:off x="116230" y="912168"/>
             <a:ext cx="2340000" cy="720000"/>
           </a:xfrm>
           <a:prstGeom prst="rect">
@@ -4973,7 +4973,7 @@
         </p:nvSpPr>
         <p:spPr>
           <a:xfrm>
-            <a:off x="208112" y="1378547"/>
+            <a:off x="208112" y="1056184"/>
             <a:ext cx="1935588" cy="400110"/>
           </a:xfrm>
           <a:prstGeom prst="rect">
@@ -5034,8 +5034,8 @@
         </p:nvSpPr>
         <p:spPr>
           <a:xfrm>
-            <a:off x="284707" y="2278376"/>
-            <a:ext cx="4104456" cy="584775"/>
+            <a:off x="284707" y="2278377"/>
+            <a:ext cx="3325675" cy="830997"/>
           </a:xfrm>
           <a:prstGeom prst="rect">
             <a:avLst/>
@@ -5099,8 +5099,8 @@
         </p:nvSpPr>
         <p:spPr>
           <a:xfrm>
-            <a:off x="180711" y="5077073"/>
-            <a:ext cx="4938737" cy="584775"/>
+            <a:off x="180712" y="5077073"/>
+            <a:ext cx="3429670" cy="1077218"/>
           </a:xfrm>
           <a:prstGeom prst="rect">
             <a:avLst/>
@@ -5185,8 +5185,8 @@
         </p:nvSpPr>
         <p:spPr>
           <a:xfrm>
-            <a:off x="284707" y="4376670"/>
-            <a:ext cx="4862141" cy="338554"/>
+            <a:off x="284708" y="4376669"/>
+            <a:ext cx="2217580" cy="338554"/>
           </a:xfrm>
           <a:prstGeom prst="rect">
             <a:avLst/>
@@ -5286,13 +5286,15 @@
               </a:ext>
             </a:extLst>
           </p:cNvPr>
-          <p:cNvCxnSpPr/>
+          <p:cNvCxnSpPr>
+            <a:cxnSpLocks/>
+          </p:cNvCxnSpPr>
           <p:nvPr/>
         </p:nvCxnSpPr>
         <p:spPr>
           <a:xfrm>
             <a:off x="283248" y="2278376"/>
-            <a:ext cx="4863600" cy="0"/>
+            <a:ext cx="3165224" cy="0"/>
           </a:xfrm>
           <a:prstGeom prst="line">
             <a:avLst/>
@@ -5405,13 +5407,15 @@
               </a:ext>
             </a:extLst>
           </p:cNvPr>
-          <p:cNvCxnSpPr/>
+          <p:cNvCxnSpPr>
+            <a:cxnSpLocks/>
+          </p:cNvCxnSpPr>
           <p:nvPr/>
         </p:nvCxnSpPr>
         <p:spPr>
           <a:xfrm>
             <a:off x="283248" y="5001377"/>
-            <a:ext cx="4863600" cy="0"/>
+            <a:ext cx="3165224" cy="7624"/>
           </a:xfrm>
           <a:prstGeom prst="line">
             <a:avLst/>
@@ -5453,7 +5457,7 @@
         </p:nvCxnSpPr>
         <p:spPr>
           <a:xfrm>
-            <a:off x="5392688" y="1924744"/>
+            <a:off x="4096544" y="1776512"/>
             <a:ext cx="0" cy="7361851"/>
           </a:xfrm>
           <a:prstGeom prst="line">
@@ -5502,8 +5506,8 @@
         </p:blipFill>
         <p:spPr>
           <a:xfrm>
-            <a:off x="634297" y="2907409"/>
-            <a:ext cx="3973005" cy="1507577"/>
+            <a:off x="634298" y="2907409"/>
+            <a:ext cx="3246222" cy="1231795"/>
           </a:xfrm>
           <a:prstGeom prst="rect">
             <a:avLst/>
@@ -5532,8 +5536,8 @@
         </p:blipFill>
         <p:spPr>
           <a:xfrm>
-            <a:off x="240865" y="6127511"/>
-            <a:ext cx="4948365" cy="2715707"/>
+            <a:off x="282411" y="6127512"/>
+            <a:ext cx="3708077" cy="2904822"/>
           </a:xfrm>
           <a:prstGeom prst="rect">
             <a:avLst/>
@@ -5554,8 +5558,8 @@
         </p:nvSpPr>
         <p:spPr>
           <a:xfrm>
-            <a:off x="5536704" y="1942592"/>
-            <a:ext cx="7024030" cy="6900626"/>
+            <a:off x="4176283" y="1070412"/>
+            <a:ext cx="3699979" cy="8122676"/>
           </a:xfrm>
           <a:prstGeom prst="rect">
             <a:avLst/>
@@ -5603,8 +5607,8 @@
         </p:nvSpPr>
         <p:spPr>
           <a:xfrm>
-            <a:off x="6499110" y="8944669"/>
-            <a:ext cx="4862141" cy="338554"/>
+            <a:off x="4960179" y="9167827"/>
+            <a:ext cx="2710002" cy="338554"/>
           </a:xfrm>
           <a:prstGeom prst="rect">
             <a:avLst/>
@@ -5646,6 +5650,49 @@
           </a:p>
         </p:txBody>
       </p:sp>
+      <p:cxnSp>
+        <p:nvCxnSpPr>
+          <p:cNvPr id="30" name="直線コネクタ 29">
+            <a:extLst>
+              <a:ext uri="{FF2B5EF4-FFF2-40B4-BE49-F238E27FC236}">
+                <a16:creationId xmlns:a16="http://schemas.microsoft.com/office/drawing/2014/main" id="{09A79F65-2C6D-4369-97B6-E1511ADE470A}"/>
+              </a:ext>
+            </a:extLst>
+          </p:cNvPr>
+          <p:cNvCxnSpPr>
+            <a:cxnSpLocks/>
+          </p:cNvCxnSpPr>
+          <p:nvPr/>
+        </p:nvCxnSpPr>
+        <p:spPr>
+          <a:xfrm>
+            <a:off x="8417024" y="1119674"/>
+            <a:ext cx="0" cy="7361851"/>
+          </a:xfrm>
+          <a:prstGeom prst="line">
+            <a:avLst/>
+          </a:prstGeom>
+          <a:ln w="12700">
+            <a:solidFill>
+              <a:schemeClr val="accent6"/>
+            </a:solidFill>
+          </a:ln>
+        </p:spPr>
+        <p:style>
+          <a:lnRef idx="1">
+            <a:schemeClr val="accent1"/>
+          </a:lnRef>
+          <a:fillRef idx="0">
+            <a:schemeClr val="accent1"/>
+          </a:fillRef>
+          <a:effectRef idx="0">
+            <a:schemeClr val="accent1"/>
+          </a:effectRef>
+          <a:fontRef idx="minor">
+            <a:schemeClr val="tx1"/>
+          </a:fontRef>
+        </p:style>
+      </p:cxnSp>
     </p:spTree>
     <p:extLst>
       <p:ext uri="{BB962C8B-B14F-4D97-AF65-F5344CB8AC3E}">
@@ -6932,7 +6979,24 @@
                 <a:latin typeface="HG丸ｺﾞｼｯｸM-PRO" panose="020F0600000000000000" pitchFamily="50" charset="-128"/>
                 <a:ea typeface="HG丸ｺﾞｼｯｸM-PRO" panose="020F0600000000000000" pitchFamily="50" charset="-128"/>
               </a:rPr>
-              <a:t>安定した倒立走行を行いコースを完走するためのクラスの構造をクラス図に示す。（ただし、多重度はすべて１、ロール名はクラス名と対応しているものとする。）</a:t>
+              <a:t>安定した倒立走行を行いコースを完走するためのクラスの構造をクラス図に示す。（</a:t>
+            </a:r>
+            <a:r>
+              <a:rPr kumimoji="1" lang="ja-JP" altLang="en-US" sz="1400" b="1" dirty="0">
+                <a:solidFill>
+                  <a:srgbClr val="FF0000"/>
+                </a:solidFill>
+                <a:latin typeface="HG丸ｺﾞｼｯｸM-PRO" panose="020F0600000000000000" pitchFamily="50" charset="-128"/>
+                <a:ea typeface="HG丸ｺﾞｼｯｸM-PRO" panose="020F0600000000000000" pitchFamily="50" charset="-128"/>
+              </a:rPr>
+              <a:t>ただし、多重度はすべて１、ロール名はクラス名と対応しているものとする。</a:t>
+            </a:r>
+            <a:r>
+              <a:rPr kumimoji="1" lang="ja-JP" altLang="en-US" sz="1400" dirty="0">
+                <a:latin typeface="HG丸ｺﾞｼｯｸM-PRO" panose="020F0600000000000000" pitchFamily="50" charset="-128"/>
+                <a:ea typeface="HG丸ｺﾞｼｯｸM-PRO" panose="020F0600000000000000" pitchFamily="50" charset="-128"/>
+              </a:rPr>
+              <a:t>）</a:t>
             </a:r>
           </a:p>
         </p:txBody>

--- a/現状/構造モデル.pptx
+++ b/現状/構造モデル.pptx
@@ -4277,6 +4277,107 @@
       </p:grpSpPr>
       <p:sp>
         <p:nvSpPr>
+          <p:cNvPr id="13" name="四角形: 角を丸くする 12">
+            <a:extLst>
+              <a:ext uri="{FF2B5EF4-FFF2-40B4-BE49-F238E27FC236}">
+                <a16:creationId xmlns:a16="http://schemas.microsoft.com/office/drawing/2014/main" id="{84934B8C-C644-49A7-8C50-B417AAAD4BD4}"/>
+              </a:ext>
+            </a:extLst>
+          </p:cNvPr>
+          <p:cNvSpPr/>
+          <p:nvPr/>
+        </p:nvSpPr>
+        <p:spPr>
+          <a:xfrm>
+            <a:off x="2626849" y="408112"/>
+            <a:ext cx="2520000" cy="1368400"/>
+          </a:xfrm>
+          <a:prstGeom prst="roundRect">
+            <a:avLst>
+              <a:gd name="adj" fmla="val 13495"/>
+            </a:avLst>
+          </a:prstGeom>
+          <a:ln w="28575">
+            <a:solidFill>
+              <a:schemeClr val="accent6">
+                <a:lumMod val="60000"/>
+                <a:lumOff val="40000"/>
+              </a:schemeClr>
+            </a:solidFill>
+          </a:ln>
+        </p:spPr>
+        <p:style>
+          <a:lnRef idx="2">
+            <a:schemeClr val="accent6"/>
+          </a:lnRef>
+          <a:fillRef idx="1">
+            <a:schemeClr val="lt1"/>
+          </a:fillRef>
+          <a:effectRef idx="0">
+            <a:schemeClr val="accent6"/>
+          </a:effectRef>
+          <a:fontRef idx="minor">
+            <a:schemeClr val="dk1"/>
+          </a:fontRef>
+        </p:style>
+        <p:txBody>
+          <a:bodyPr rtlCol="0" anchor="ctr"/>
+          <a:lstStyle/>
+          <a:p>
+            <a:pPr algn="ctr"/>
+            <a:endParaRPr kumimoji="1" lang="ja-JP" altLang="en-US"/>
+          </a:p>
+        </p:txBody>
+      </p:sp>
+      <p:sp>
+        <p:nvSpPr>
+          <p:cNvPr id="12" name="四角形: 角を丸くする 11">
+            <a:extLst>
+              <a:ext uri="{FF2B5EF4-FFF2-40B4-BE49-F238E27FC236}">
+                <a16:creationId xmlns:a16="http://schemas.microsoft.com/office/drawing/2014/main" id="{AFFC4548-7F1A-4F38-96A5-7A693D93CF9B}"/>
+              </a:ext>
+            </a:extLst>
+          </p:cNvPr>
+          <p:cNvSpPr/>
+          <p:nvPr/>
+        </p:nvSpPr>
+        <p:spPr>
+          <a:xfrm>
+            <a:off x="100800" y="192088"/>
+            <a:ext cx="2520000" cy="1224384"/>
+          </a:xfrm>
+          <a:prstGeom prst="roundRect">
+            <a:avLst>
+              <a:gd name="adj" fmla="val 13842"/>
+            </a:avLst>
+          </a:prstGeom>
+          <a:ln w="38100"/>
+        </p:spPr>
+        <p:style>
+          <a:lnRef idx="2">
+            <a:schemeClr val="accent6"/>
+          </a:lnRef>
+          <a:fillRef idx="1">
+            <a:schemeClr val="lt1"/>
+          </a:fillRef>
+          <a:effectRef idx="0">
+            <a:schemeClr val="accent6"/>
+          </a:effectRef>
+          <a:fontRef idx="minor">
+            <a:schemeClr val="dk1"/>
+          </a:fontRef>
+        </p:style>
+        <p:txBody>
+          <a:bodyPr rtlCol="0" anchor="ctr"/>
+          <a:lstStyle/>
+          <a:p>
+            <a:pPr algn="ctr"/>
+            <a:endParaRPr kumimoji="1" lang="ja-JP" altLang="en-US" dirty="0"/>
+          </a:p>
+        </p:txBody>
+      </p:sp>
+      <p:sp>
+        <p:nvSpPr>
           <p:cNvPr id="15" name="四角形: 角を丸くする 14">
             <a:extLst>
               <a:ext uri="{FF2B5EF4-FFF2-40B4-BE49-F238E27FC236}">
@@ -4381,107 +4482,6 @@
       </p:sp>
       <p:sp>
         <p:nvSpPr>
-          <p:cNvPr id="13" name="四角形: 角を丸くする 12">
-            <a:extLst>
-              <a:ext uri="{FF2B5EF4-FFF2-40B4-BE49-F238E27FC236}">
-                <a16:creationId xmlns:a16="http://schemas.microsoft.com/office/drawing/2014/main" id="{84934B8C-C644-49A7-8C50-B417AAAD4BD4}"/>
-              </a:ext>
-            </a:extLst>
-          </p:cNvPr>
-          <p:cNvSpPr/>
-          <p:nvPr/>
-        </p:nvSpPr>
-        <p:spPr>
-          <a:xfrm>
-            <a:off x="2626849" y="408112"/>
-            <a:ext cx="2520000" cy="1368400"/>
-          </a:xfrm>
-          <a:prstGeom prst="roundRect">
-            <a:avLst>
-              <a:gd name="adj" fmla="val 13495"/>
-            </a:avLst>
-          </a:prstGeom>
-          <a:ln w="28575">
-            <a:solidFill>
-              <a:schemeClr val="accent6">
-                <a:lumMod val="60000"/>
-                <a:lumOff val="40000"/>
-              </a:schemeClr>
-            </a:solidFill>
-          </a:ln>
-        </p:spPr>
-        <p:style>
-          <a:lnRef idx="2">
-            <a:schemeClr val="accent6"/>
-          </a:lnRef>
-          <a:fillRef idx="1">
-            <a:schemeClr val="lt1"/>
-          </a:fillRef>
-          <a:effectRef idx="0">
-            <a:schemeClr val="accent6"/>
-          </a:effectRef>
-          <a:fontRef idx="minor">
-            <a:schemeClr val="dk1"/>
-          </a:fontRef>
-        </p:style>
-        <p:txBody>
-          <a:bodyPr rtlCol="0" anchor="ctr"/>
-          <a:lstStyle/>
-          <a:p>
-            <a:pPr algn="ctr"/>
-            <a:endParaRPr kumimoji="1" lang="ja-JP" altLang="en-US"/>
-          </a:p>
-        </p:txBody>
-      </p:sp>
-      <p:sp>
-        <p:nvSpPr>
-          <p:cNvPr id="12" name="四角形: 角を丸くする 11">
-            <a:extLst>
-              <a:ext uri="{FF2B5EF4-FFF2-40B4-BE49-F238E27FC236}">
-                <a16:creationId xmlns:a16="http://schemas.microsoft.com/office/drawing/2014/main" id="{AFFC4548-7F1A-4F38-96A5-7A693D93CF9B}"/>
-              </a:ext>
-            </a:extLst>
-          </p:cNvPr>
-          <p:cNvSpPr/>
-          <p:nvPr/>
-        </p:nvSpPr>
-        <p:spPr>
-          <a:xfrm>
-            <a:off x="100800" y="192088"/>
-            <a:ext cx="2520000" cy="1224384"/>
-          </a:xfrm>
-          <a:prstGeom prst="roundRect">
-            <a:avLst>
-              <a:gd name="adj" fmla="val 13842"/>
-            </a:avLst>
-          </a:prstGeom>
-          <a:ln w="38100"/>
-        </p:spPr>
-        <p:style>
-          <a:lnRef idx="2">
-            <a:schemeClr val="accent6"/>
-          </a:lnRef>
-          <a:fillRef idx="1">
-            <a:schemeClr val="lt1"/>
-          </a:fillRef>
-          <a:effectRef idx="0">
-            <a:schemeClr val="accent6"/>
-          </a:effectRef>
-          <a:fontRef idx="minor">
-            <a:schemeClr val="dk1"/>
-          </a:fontRef>
-        </p:style>
-        <p:txBody>
-          <a:bodyPr rtlCol="0" anchor="ctr"/>
-          <a:lstStyle/>
-          <a:p>
-            <a:pPr algn="ctr"/>
-            <a:endParaRPr kumimoji="1" lang="ja-JP" altLang="en-US" dirty="0"/>
-          </a:p>
-        </p:txBody>
-      </p:sp>
-      <p:sp>
-        <p:nvSpPr>
           <p:cNvPr id="11" name="正方形/長方形 10">
             <a:extLst>
               <a:ext uri="{FF2B5EF4-FFF2-40B4-BE49-F238E27FC236}">
@@ -4494,7 +4494,7 @@
         </p:nvSpPr>
         <p:spPr>
           <a:xfrm>
-            <a:off x="100800" y="911007"/>
+            <a:off x="100800" y="912168"/>
             <a:ext cx="12600000" cy="8640960"/>
           </a:xfrm>
           <a:prstGeom prst="rect">
@@ -4528,6 +4528,42 @@
           </a:p>
         </p:txBody>
       </p:sp>
+      <p:pic>
+        <p:nvPicPr>
+          <p:cNvPr id="17" name="図 16">
+            <a:extLst>
+              <a:ext uri="{FF2B5EF4-FFF2-40B4-BE49-F238E27FC236}">
+                <a16:creationId xmlns:a16="http://schemas.microsoft.com/office/drawing/2014/main" id="{6935A910-CCE3-4AE0-9015-8EE671AB6BCD}"/>
+              </a:ext>
+            </a:extLst>
+          </p:cNvPr>
+          <p:cNvPicPr>
+            <a:picLocks noChangeAspect="1"/>
+          </p:cNvPicPr>
+          <p:nvPr/>
+        </p:nvPicPr>
+        <p:blipFill>
+          <a:blip r:embed="rId2">
+            <a:extLst>
+              <a:ext uri="{28A0092B-C50C-407E-A947-70E740481C1C}">
+                <a14:useLocalDpi xmlns:a14="http://schemas.microsoft.com/office/drawing/2010/main" val="0"/>
+              </a:ext>
+            </a:extLst>
+          </a:blip>
+          <a:stretch>
+            <a:fillRect/>
+          </a:stretch>
+        </p:blipFill>
+        <p:spPr>
+          <a:xfrm>
+            <a:off x="537832" y="2322002"/>
+            <a:ext cx="3112908" cy="1596193"/>
+          </a:xfrm>
+          <a:prstGeom prst="rect">
+            <a:avLst/>
+          </a:prstGeom>
+        </p:spPr>
+      </p:pic>
       <p:sp>
         <p:nvSpPr>
           <p:cNvPr id="3" name="テキスト ボックス 2">
@@ -5034,8 +5070,8 @@
         </p:nvSpPr>
         <p:spPr>
           <a:xfrm>
-            <a:off x="284707" y="2278377"/>
-            <a:ext cx="3325675" cy="830997"/>
+            <a:off x="84649" y="2002205"/>
+            <a:ext cx="3786884" cy="523220"/>
           </a:xfrm>
           <a:prstGeom prst="rect">
             <a:avLst/>
@@ -5049,38 +5085,11 @@
           <a:lstStyle/>
           <a:p>
             <a:r>
-              <a:rPr kumimoji="1" lang="ja-JP" altLang="en-US" dirty="0">
+              <a:rPr kumimoji="1" lang="ja-JP" altLang="en-US" sz="1400" dirty="0">
                 <a:latin typeface="HG丸ｺﾞｼｯｸM-PRO" panose="020F0600000000000000" pitchFamily="50" charset="-128"/>
                 <a:ea typeface="HG丸ｺﾞｼｯｸM-PRO" panose="020F0600000000000000" pitchFamily="50" charset="-128"/>
               </a:rPr>
-              <a:t>スターターにコースを完走する機能を提供</a:t>
-            </a:r>
-            <a:br>
-              <a:rPr kumimoji="1" lang="en-US" altLang="ja-JP" dirty="0">
-                <a:latin typeface="HG丸ｺﾞｼｯｸM-PRO" panose="020F0600000000000000" pitchFamily="50" charset="-128"/>
-                <a:ea typeface="HG丸ｺﾞｼｯｸM-PRO" panose="020F0600000000000000" pitchFamily="50" charset="-128"/>
-              </a:rPr>
-            </a:br>
-            <a:r>
-              <a:rPr kumimoji="1" lang="ja-JP" altLang="en-US" dirty="0">
-                <a:latin typeface="HG丸ｺﾞｼｯｸM-PRO" panose="020F0600000000000000" pitchFamily="50" charset="-128"/>
-                <a:ea typeface="HG丸ｺﾞｼｯｸM-PRO" panose="020F0600000000000000" pitchFamily="50" charset="-128"/>
-              </a:rPr>
-              <a:t>図</a:t>
-            </a:r>
-            <a:r>
-              <a:rPr kumimoji="1" lang="en-US" altLang="ja-JP" dirty="0">
-                <a:latin typeface="HG丸ｺﾞｼｯｸM-PRO" panose="020F0600000000000000" pitchFamily="50" charset="-128"/>
-                <a:ea typeface="HG丸ｺﾞｼｯｸM-PRO" panose="020F0600000000000000" pitchFamily="50" charset="-128"/>
-              </a:rPr>
-              <a:t>1</a:t>
-            </a:r>
-            <a:r>
-              <a:rPr kumimoji="1" lang="ja-JP" altLang="en-US" dirty="0">
-                <a:latin typeface="HG丸ｺﾞｼｯｸM-PRO" panose="020F0600000000000000" pitchFamily="50" charset="-128"/>
-                <a:ea typeface="HG丸ｺﾞｼｯｸM-PRO" panose="020F0600000000000000" pitchFamily="50" charset="-128"/>
-              </a:rPr>
-              <a:t> ユースケース図で示す</a:t>
+              <a:t>スターターにコースを完走する機能をユースケース図で示す。</a:t>
             </a:r>
           </a:p>
         </p:txBody>
@@ -5099,8 +5108,8 @@
         </p:nvSpPr>
         <p:spPr>
           <a:xfrm>
-            <a:off x="180712" y="5077073"/>
-            <a:ext cx="3429670" cy="1077218"/>
+            <a:off x="154111" y="4201356"/>
+            <a:ext cx="3880349" cy="523220"/>
           </a:xfrm>
           <a:prstGeom prst="rect">
             <a:avLst/>
@@ -5114,165 +5123,46 @@
           <a:lstStyle/>
           <a:p>
             <a:r>
-              <a:rPr kumimoji="1" lang="ja-JP" altLang="en-US" dirty="0">
+              <a:rPr kumimoji="1" lang="ja-JP" altLang="en-US" sz="1400" dirty="0">
                 <a:latin typeface="HG丸ｺﾞｼｯｸM-PRO" panose="020F0600000000000000" pitchFamily="50" charset="-128"/>
                 <a:ea typeface="HG丸ｺﾞｼｯｸM-PRO" panose="020F0600000000000000" pitchFamily="50" charset="-128"/>
               </a:rPr>
               <a:t>機能を実現するための方法を</a:t>
             </a:r>
             <a:r>
-              <a:rPr lang="ja-JP" altLang="en-US" dirty="0">
+              <a:rPr lang="ja-JP" altLang="en-US" sz="1400" dirty="0">
                 <a:latin typeface="HG丸ｺﾞｼｯｸM-PRO" panose="020F0600000000000000" pitchFamily="50" charset="-128"/>
                 <a:ea typeface="HG丸ｺﾞｼｯｸM-PRO" panose="020F0600000000000000" pitchFamily="50" charset="-128"/>
               </a:rPr>
               <a:t>表</a:t>
             </a:r>
             <a:r>
-              <a:rPr lang="en-US" altLang="ja-JP" dirty="0">
+              <a:rPr lang="en-US" altLang="ja-JP" sz="1400" dirty="0">
                 <a:latin typeface="HG丸ｺﾞｼｯｸM-PRO" panose="020F0600000000000000" pitchFamily="50" charset="-128"/>
                 <a:ea typeface="HG丸ｺﾞｼｯｸM-PRO" panose="020F0600000000000000" pitchFamily="50" charset="-128"/>
               </a:rPr>
               <a:t>1</a:t>
             </a:r>
             <a:r>
-              <a:rPr kumimoji="1" lang="ja-JP" altLang="en-US" dirty="0">
+              <a:rPr kumimoji="1" lang="ja-JP" altLang="en-US" sz="1400" dirty="0">
                 <a:latin typeface="HG丸ｺﾞｼｯｸM-PRO" panose="020F0600000000000000" pitchFamily="50" charset="-128"/>
                 <a:ea typeface="HG丸ｺﾞｼｯｸM-PRO" panose="020F0600000000000000" pitchFamily="50" charset="-128"/>
               </a:rPr>
-              <a:t> ユースケース記述、</a:t>
-            </a:r>
-            <a:br>
-              <a:rPr kumimoji="1" lang="en-US" altLang="ja-JP" dirty="0">
+              <a:t> ユースケース記述、処理順序</a:t>
+            </a:r>
+            <a:r>
+              <a:rPr lang="ja-JP" altLang="en-US" sz="1400" dirty="0">
                 <a:latin typeface="HG丸ｺﾞｼｯｸM-PRO" panose="020F0600000000000000" pitchFamily="50" charset="-128"/>
                 <a:ea typeface="HG丸ｺﾞｼｯｸM-PRO" panose="020F0600000000000000" pitchFamily="50" charset="-128"/>
               </a:rPr>
-            </a:br>
-            <a:r>
-              <a:rPr kumimoji="1" lang="ja-JP" altLang="en-US" dirty="0">
+              <a:t>を</a:t>
+            </a:r>
+            <a:r>
+              <a:rPr kumimoji="1" lang="ja-JP" altLang="en-US" sz="1400" dirty="0">
                 <a:latin typeface="HG丸ｺﾞｼｯｸM-PRO" panose="020F0600000000000000" pitchFamily="50" charset="-128"/>
                 <a:ea typeface="HG丸ｺﾞｼｯｸM-PRO" panose="020F0600000000000000" pitchFamily="50" charset="-128"/>
               </a:rPr>
-              <a:t>処理順序を図</a:t>
-            </a:r>
-            <a:r>
-              <a:rPr kumimoji="1" lang="en-US" altLang="ja-JP" dirty="0">
-                <a:latin typeface="HG丸ｺﾞｼｯｸM-PRO" panose="020F0600000000000000" pitchFamily="50" charset="-128"/>
-                <a:ea typeface="HG丸ｺﾞｼｯｸM-PRO" panose="020F0600000000000000" pitchFamily="50" charset="-128"/>
-              </a:rPr>
-              <a:t>2</a:t>
-            </a:r>
-            <a:r>
-              <a:rPr kumimoji="1" lang="ja-JP" altLang="en-US" dirty="0">
-                <a:latin typeface="HG丸ｺﾞｼｯｸM-PRO" panose="020F0600000000000000" pitchFamily="50" charset="-128"/>
-                <a:ea typeface="HG丸ｺﾞｼｯｸM-PRO" panose="020F0600000000000000" pitchFamily="50" charset="-128"/>
-              </a:rPr>
-              <a:t> アクティビティ図で示す</a:t>
-            </a:r>
-          </a:p>
-        </p:txBody>
-      </p:sp>
-      <p:sp>
-        <p:nvSpPr>
-          <p:cNvPr id="20" name="テキスト ボックス 19">
-            <a:extLst>
-              <a:ext uri="{FF2B5EF4-FFF2-40B4-BE49-F238E27FC236}">
-                <a16:creationId xmlns:a16="http://schemas.microsoft.com/office/drawing/2014/main" id="{E041338E-FEE7-4A28-B566-D22B2CCA4CC2}"/>
-              </a:ext>
-            </a:extLst>
-          </p:cNvPr>
-          <p:cNvSpPr txBox="1"/>
-          <p:nvPr/>
-        </p:nvSpPr>
-        <p:spPr>
-          <a:xfrm>
-            <a:off x="284708" y="4376669"/>
-            <a:ext cx="2217580" cy="338554"/>
-          </a:xfrm>
-          <a:prstGeom prst="rect">
-            <a:avLst/>
-          </a:prstGeom>
-          <a:noFill/>
-        </p:spPr>
-        <p:txBody>
-          <a:bodyPr wrap="square" rtlCol="0">
-            <a:spAutoFit/>
-          </a:bodyPr>
-          <a:lstStyle/>
-          <a:p>
-            <a:pPr algn="ctr"/>
-            <a:r>
-              <a:rPr kumimoji="1" lang="ja-JP" altLang="en-US" dirty="0">
-                <a:latin typeface="HG丸ｺﾞｼｯｸM-PRO" panose="020F0600000000000000" pitchFamily="50" charset="-128"/>
-                <a:ea typeface="HG丸ｺﾞｼｯｸM-PRO" panose="020F0600000000000000" pitchFamily="50" charset="-128"/>
-              </a:rPr>
-              <a:t>図</a:t>
-            </a:r>
-            <a:r>
-              <a:rPr kumimoji="1" lang="en-US" altLang="ja-JP" dirty="0">
-                <a:latin typeface="HG丸ｺﾞｼｯｸM-PRO" panose="020F0600000000000000" pitchFamily="50" charset="-128"/>
-                <a:ea typeface="HG丸ｺﾞｼｯｸM-PRO" panose="020F0600000000000000" pitchFamily="50" charset="-128"/>
-              </a:rPr>
-              <a:t>1 </a:t>
-            </a:r>
-            <a:r>
-              <a:rPr kumimoji="1" lang="ja-JP" altLang="en-US" dirty="0">
-                <a:latin typeface="HG丸ｺﾞｼｯｸM-PRO" panose="020F0600000000000000" pitchFamily="50" charset="-128"/>
-                <a:ea typeface="HG丸ｺﾞｼｯｸM-PRO" panose="020F0600000000000000" pitchFamily="50" charset="-128"/>
-              </a:rPr>
-              <a:t>ユースケース図</a:t>
-            </a:r>
-          </a:p>
-        </p:txBody>
-      </p:sp>
-      <p:sp>
-        <p:nvSpPr>
-          <p:cNvPr id="21" name="テキスト ボックス 20">
-            <a:extLst>
-              <a:ext uri="{FF2B5EF4-FFF2-40B4-BE49-F238E27FC236}">
-                <a16:creationId xmlns:a16="http://schemas.microsoft.com/office/drawing/2014/main" id="{20C8F207-6E49-4BF0-874F-9E2251FDBE27}"/>
-              </a:ext>
-            </a:extLst>
-          </p:cNvPr>
-          <p:cNvSpPr txBox="1"/>
-          <p:nvPr/>
-        </p:nvSpPr>
-        <p:spPr>
-          <a:xfrm>
-            <a:off x="219008" y="5799845"/>
-            <a:ext cx="4862141" cy="338554"/>
-          </a:xfrm>
-          <a:prstGeom prst="rect">
-            <a:avLst/>
-          </a:prstGeom>
-          <a:noFill/>
-        </p:spPr>
-        <p:txBody>
-          <a:bodyPr wrap="square" rtlCol="0">
-            <a:spAutoFit/>
-          </a:bodyPr>
-          <a:lstStyle/>
-          <a:p>
-            <a:pPr algn="ctr"/>
-            <a:r>
-              <a:rPr kumimoji="1" lang="ja-JP" altLang="en-US" dirty="0">
-                <a:latin typeface="HG丸ｺﾞｼｯｸM-PRO" panose="020F0600000000000000" pitchFamily="50" charset="-128"/>
-                <a:ea typeface="HG丸ｺﾞｼｯｸM-PRO" panose="020F0600000000000000" pitchFamily="50" charset="-128"/>
-              </a:rPr>
-              <a:t>表</a:t>
-            </a:r>
-            <a:r>
-              <a:rPr kumimoji="1" lang="en-US" altLang="ja-JP" dirty="0">
-                <a:latin typeface="HG丸ｺﾞｼｯｸM-PRO" panose="020F0600000000000000" pitchFamily="50" charset="-128"/>
-                <a:ea typeface="HG丸ｺﾞｼｯｸM-PRO" panose="020F0600000000000000" pitchFamily="50" charset="-128"/>
-              </a:rPr>
-              <a:t>1 </a:t>
-            </a:r>
-            <a:r>
-              <a:rPr kumimoji="1" lang="ja-JP" altLang="en-US" dirty="0">
-                <a:latin typeface="HG丸ｺﾞｼｯｸM-PRO" panose="020F0600000000000000" pitchFamily="50" charset="-128"/>
-                <a:ea typeface="HG丸ｺﾞｼｯｸM-PRO" panose="020F0600000000000000" pitchFamily="50" charset="-128"/>
-              </a:rPr>
-              <a:t>ユースケース記述</a:t>
+              <a:t>アクティビティ図で示す。</a:t>
             </a:r>
           </a:p>
         </p:txBody>
@@ -5293,8 +5183,8 @@
         </p:nvCxnSpPr>
         <p:spPr>
           <a:xfrm>
-            <a:off x="283248" y="2278376"/>
-            <a:ext cx="3165224" cy="0"/>
+            <a:off x="157819" y="2002540"/>
+            <a:ext cx="3809776" cy="0"/>
           </a:xfrm>
           <a:prstGeom prst="line">
             <a:avLst/>
@@ -5334,7 +5224,7 @@
         </p:nvSpPr>
         <p:spPr>
           <a:xfrm>
-            <a:off x="174883" y="1942592"/>
+            <a:off x="72107" y="1649105"/>
             <a:ext cx="2002046" cy="338554"/>
           </a:xfrm>
           <a:prstGeom prst="rect">
@@ -5373,7 +5263,7 @@
         </p:nvSpPr>
         <p:spPr>
           <a:xfrm>
-            <a:off x="195927" y="4670447"/>
+            <a:off x="183432" y="3840495"/>
             <a:ext cx="2033121" cy="338554"/>
           </a:xfrm>
           <a:prstGeom prst="rect">
@@ -5413,9 +5303,9 @@
           <p:nvPr/>
         </p:nvCxnSpPr>
         <p:spPr>
-          <a:xfrm>
-            <a:off x="283248" y="5001377"/>
-            <a:ext cx="3165224" cy="7624"/>
+          <a:xfrm flipV="1">
+            <a:off x="154390" y="4156695"/>
+            <a:ext cx="3813205" cy="22364"/>
           </a:xfrm>
           <a:prstGeom prst="line">
             <a:avLst/>
@@ -5443,10 +5333,10 @@
       </p:cxnSp>
       <p:cxnSp>
         <p:nvCxnSpPr>
-          <p:cNvPr id="33" name="直線コネクタ 32">
+          <p:cNvPr id="30" name="直線コネクタ 29">
             <a:extLst>
               <a:ext uri="{FF2B5EF4-FFF2-40B4-BE49-F238E27FC236}">
-                <a16:creationId xmlns:a16="http://schemas.microsoft.com/office/drawing/2014/main" id="{92360BFF-2588-4E81-B66C-FF63D724B698}"/>
+                <a16:creationId xmlns:a16="http://schemas.microsoft.com/office/drawing/2014/main" id="{09A79F65-2C6D-4369-97B6-E1511ADE470A}"/>
               </a:ext>
             </a:extLst>
           </p:cNvPr>
@@ -5457,8 +5347,8 @@
         </p:nvCxnSpPr>
         <p:spPr>
           <a:xfrm>
-            <a:off x="4096544" y="1776512"/>
-            <a:ext cx="0" cy="7361851"/>
+            <a:off x="7336904" y="984260"/>
+            <a:ext cx="0" cy="8496860"/>
           </a:xfrm>
           <a:prstGeom prst="line">
             <a:avLst/>
@@ -5486,40 +5376,10 @@
       </p:cxnSp>
       <p:pic>
         <p:nvPicPr>
-          <p:cNvPr id="24" name="図 23">
+          <p:cNvPr id="172" name="図 171">
             <a:extLst>
               <a:ext uri="{FF2B5EF4-FFF2-40B4-BE49-F238E27FC236}">
-                <a16:creationId xmlns:a16="http://schemas.microsoft.com/office/drawing/2014/main" id="{C1A9FACB-7A24-494F-A4DA-383CC5F6041B}"/>
-              </a:ext>
-            </a:extLst>
-          </p:cNvPr>
-          <p:cNvPicPr>
-            <a:picLocks noChangeAspect="1"/>
-          </p:cNvPicPr>
-          <p:nvPr/>
-        </p:nvPicPr>
-        <p:blipFill>
-          <a:blip r:embed="rId2"/>
-          <a:stretch>
-            <a:fillRect/>
-          </a:stretch>
-        </p:blipFill>
-        <p:spPr>
-          <a:xfrm>
-            <a:off x="634298" y="2907409"/>
-            <a:ext cx="3246222" cy="1231795"/>
-          </a:xfrm>
-          <a:prstGeom prst="rect">
-            <a:avLst/>
-          </a:prstGeom>
-        </p:spPr>
-      </p:pic>
-      <p:pic>
-        <p:nvPicPr>
-          <p:cNvPr id="32" name="図 31">
-            <a:extLst>
-              <a:ext uri="{FF2B5EF4-FFF2-40B4-BE49-F238E27FC236}">
-                <a16:creationId xmlns:a16="http://schemas.microsoft.com/office/drawing/2014/main" id="{F63ADD04-970A-409E-A2E4-637EED385938}"/>
+                <a16:creationId xmlns:a16="http://schemas.microsoft.com/office/drawing/2014/main" id="{4B59130A-4F41-4B07-8795-54FC5409E7EB}"/>
               </a:ext>
             </a:extLst>
           </p:cNvPr>
@@ -5536,126 +5396,116 @@
         </p:blipFill>
         <p:spPr>
           <a:xfrm>
-            <a:off x="282411" y="6127512"/>
-            <a:ext cx="3708077" cy="2904822"/>
+            <a:off x="7425958" y="5808712"/>
+            <a:ext cx="5207063" cy="3564272"/>
           </a:xfrm>
           <a:prstGeom prst="rect">
             <a:avLst/>
           </a:prstGeom>
         </p:spPr>
       </p:pic>
-      <p:sp>
-        <p:nvSpPr>
-          <p:cNvPr id="26" name="正方形/長方形 25">
+      <p:pic>
+        <p:nvPicPr>
+          <p:cNvPr id="183" name="図 182">
             <a:extLst>
               <a:ext uri="{FF2B5EF4-FFF2-40B4-BE49-F238E27FC236}">
-                <a16:creationId xmlns:a16="http://schemas.microsoft.com/office/drawing/2014/main" id="{6CDEC34F-F9C8-4157-BB03-DEA8317C6FCC}"/>
+                <a16:creationId xmlns:a16="http://schemas.microsoft.com/office/drawing/2014/main" id="{0C4DBE78-E10B-4988-A138-F274610EA02A}"/>
               </a:ext>
             </a:extLst>
           </p:cNvPr>
-          <p:cNvSpPr/>
+          <p:cNvPicPr>
+            <a:picLocks noChangeAspect="1"/>
+          </p:cNvPicPr>
           <p:nvPr/>
-        </p:nvSpPr>
+        </p:nvPicPr>
+        <p:blipFill>
+          <a:blip r:embed="rId4">
+            <a:extLst>
+              <a:ext uri="{28A0092B-C50C-407E-A947-70E740481C1C}">
+                <a14:useLocalDpi xmlns:a14="http://schemas.microsoft.com/office/drawing/2010/main" val="0"/>
+              </a:ext>
+            </a:extLst>
+          </a:blip>
+          <a:stretch>
+            <a:fillRect/>
+          </a:stretch>
+        </p:blipFill>
         <p:spPr>
           <a:xfrm>
-            <a:off x="4176283" y="1070412"/>
-            <a:ext cx="3699979" cy="8122676"/>
+            <a:off x="4133250" y="998405"/>
+            <a:ext cx="3051589" cy="2401896"/>
           </a:xfrm>
           <a:prstGeom prst="rect">
             <a:avLst/>
           </a:prstGeom>
         </p:spPr>
-        <p:style>
-          <a:lnRef idx="2">
-            <a:schemeClr val="accent1">
-              <a:shade val="50000"/>
-            </a:schemeClr>
-          </a:lnRef>
-          <a:fillRef idx="1">
-            <a:schemeClr val="accent1"/>
-          </a:fillRef>
-          <a:effectRef idx="0">
-            <a:schemeClr val="accent1"/>
-          </a:effectRef>
-          <a:fontRef idx="minor">
-            <a:schemeClr val="lt1"/>
-          </a:fontRef>
-        </p:style>
-        <p:txBody>
-          <a:bodyPr rtlCol="0" anchor="ctr"/>
-          <a:lstStyle/>
-          <a:p>
-            <a:pPr algn="ctr"/>
-            <a:r>
-              <a:rPr kumimoji="1" lang="ja-JP" altLang="en-US" dirty="0"/>
-              <a:t>アクティビティ図</a:t>
-            </a:r>
-          </a:p>
-        </p:txBody>
-      </p:sp>
-      <p:sp>
-        <p:nvSpPr>
-          <p:cNvPr id="34" name="テキスト ボックス 33">
+      </p:pic>
+      <p:pic>
+        <p:nvPicPr>
+          <p:cNvPr id="186" name="図 185">
             <a:extLst>
               <a:ext uri="{FF2B5EF4-FFF2-40B4-BE49-F238E27FC236}">
-                <a16:creationId xmlns:a16="http://schemas.microsoft.com/office/drawing/2014/main" id="{FFC225C8-9D29-4C84-9EB7-F9E4E88B728A}"/>
+                <a16:creationId xmlns:a16="http://schemas.microsoft.com/office/drawing/2014/main" id="{B1266377-3BA4-431C-8BE6-5BD94D1ADAAF}"/>
               </a:ext>
             </a:extLst>
           </p:cNvPr>
-          <p:cNvSpPr txBox="1"/>
+          <p:cNvPicPr>
+            <a:picLocks noChangeAspect="1"/>
+          </p:cNvPicPr>
           <p:nvPr/>
-        </p:nvSpPr>
+        </p:nvPicPr>
+        <p:blipFill>
+          <a:blip r:embed="rId5"/>
+          <a:stretch>
+            <a:fillRect/>
+          </a:stretch>
+        </p:blipFill>
         <p:spPr>
           <a:xfrm>
-            <a:off x="4960179" y="9167827"/>
-            <a:ext cx="2710002" cy="338554"/>
+            <a:off x="192237" y="4724240"/>
+            <a:ext cx="3663411" cy="2118721"/>
           </a:xfrm>
           <a:prstGeom prst="rect">
             <a:avLst/>
           </a:prstGeom>
-          <a:noFill/>
         </p:spPr>
-        <p:txBody>
-          <a:bodyPr wrap="square" rtlCol="0">
-            <a:spAutoFit/>
-          </a:bodyPr>
-          <a:lstStyle/>
-          <a:p>
-            <a:pPr algn="ctr"/>
-            <a:r>
-              <a:rPr lang="ja-JP" altLang="en-US" dirty="0">
-                <a:latin typeface="HG丸ｺﾞｼｯｸM-PRO" panose="020F0600000000000000" pitchFamily="50" charset="-128"/>
-                <a:ea typeface="HG丸ｺﾞｼｯｸM-PRO" panose="020F0600000000000000" pitchFamily="50" charset="-128"/>
-              </a:rPr>
-              <a:t>図</a:t>
-            </a:r>
-            <a:r>
-              <a:rPr lang="en-US" altLang="ja-JP" dirty="0">
-                <a:latin typeface="HG丸ｺﾞｼｯｸM-PRO" panose="020F0600000000000000" pitchFamily="50" charset="-128"/>
-                <a:ea typeface="HG丸ｺﾞｼｯｸM-PRO" panose="020F0600000000000000" pitchFamily="50" charset="-128"/>
-              </a:rPr>
-              <a:t>2 </a:t>
-            </a:r>
-            <a:r>
-              <a:rPr lang="ja-JP" altLang="en-US" dirty="0">
-                <a:latin typeface="HG丸ｺﾞｼｯｸM-PRO" panose="020F0600000000000000" pitchFamily="50" charset="-128"/>
-                <a:ea typeface="HG丸ｺﾞｼｯｸM-PRO" panose="020F0600000000000000" pitchFamily="50" charset="-128"/>
-              </a:rPr>
-              <a:t>アクティビティ図</a:t>
-            </a:r>
-            <a:endParaRPr kumimoji="1" lang="ja-JP" altLang="en-US" dirty="0">
-              <a:latin typeface="HG丸ｺﾞｼｯｸM-PRO" panose="020F0600000000000000" pitchFamily="50" charset="-128"/>
-              <a:ea typeface="HG丸ｺﾞｼｯｸM-PRO" panose="020F0600000000000000" pitchFamily="50" charset="-128"/>
-            </a:endParaRPr>
-          </a:p>
-        </p:txBody>
-      </p:sp>
+      </p:pic>
+      <p:pic>
+        <p:nvPicPr>
+          <p:cNvPr id="188" name="図 187">
+            <a:extLst>
+              <a:ext uri="{FF2B5EF4-FFF2-40B4-BE49-F238E27FC236}">
+                <a16:creationId xmlns:a16="http://schemas.microsoft.com/office/drawing/2014/main" id="{8BE8A082-73A3-4A3B-B0A5-5262952F587F}"/>
+              </a:ext>
+            </a:extLst>
+          </p:cNvPr>
+          <p:cNvPicPr>
+            <a:picLocks noChangeAspect="1"/>
+          </p:cNvPicPr>
+          <p:nvPr/>
+        </p:nvPicPr>
+        <p:blipFill>
+          <a:blip r:embed="rId6"/>
+          <a:stretch>
+            <a:fillRect/>
+          </a:stretch>
+        </p:blipFill>
+        <p:spPr>
+          <a:xfrm>
+            <a:off x="194973" y="6843664"/>
+            <a:ext cx="3663401" cy="2637456"/>
+          </a:xfrm>
+          <a:prstGeom prst="rect">
+            <a:avLst/>
+          </a:prstGeom>
+        </p:spPr>
+      </p:pic>
       <p:cxnSp>
         <p:nvCxnSpPr>
-          <p:cNvPr id="30" name="直線コネクタ 29">
+          <p:cNvPr id="189" name="直線コネクタ 188">
             <a:extLst>
               <a:ext uri="{FF2B5EF4-FFF2-40B4-BE49-F238E27FC236}">
-                <a16:creationId xmlns:a16="http://schemas.microsoft.com/office/drawing/2014/main" id="{09A79F65-2C6D-4369-97B6-E1511ADE470A}"/>
+                <a16:creationId xmlns:a16="http://schemas.microsoft.com/office/drawing/2014/main" id="{E6358B48-3216-49A4-A3FD-342E3FC66910}"/>
               </a:ext>
             </a:extLst>
           </p:cNvPr>
@@ -5666,8 +5516,8 @@
         </p:nvCxnSpPr>
         <p:spPr>
           <a:xfrm>
-            <a:off x="8417024" y="1119674"/>
-            <a:ext cx="0" cy="7361851"/>
+            <a:off x="4034460" y="986718"/>
+            <a:ext cx="0" cy="8496860"/>
           </a:xfrm>
           <a:prstGeom prst="line">
             <a:avLst/>
@@ -5693,6 +5543,42 @@
           </a:fontRef>
         </p:style>
       </p:cxnSp>
+      <p:pic>
+        <p:nvPicPr>
+          <p:cNvPr id="191" name="図 190">
+            <a:extLst>
+              <a:ext uri="{FF2B5EF4-FFF2-40B4-BE49-F238E27FC236}">
+                <a16:creationId xmlns:a16="http://schemas.microsoft.com/office/drawing/2014/main" id="{B96EBF48-13B0-4660-8273-919E0D5978EA}"/>
+              </a:ext>
+            </a:extLst>
+          </p:cNvPr>
+          <p:cNvPicPr>
+            <a:picLocks noChangeAspect="1"/>
+          </p:cNvPicPr>
+          <p:nvPr/>
+        </p:nvPicPr>
+        <p:blipFill>
+          <a:blip r:embed="rId7">
+            <a:extLst>
+              <a:ext uri="{28A0092B-C50C-407E-A947-70E740481C1C}">
+                <a14:useLocalDpi xmlns:a14="http://schemas.microsoft.com/office/drawing/2010/main" val="0"/>
+              </a:ext>
+            </a:extLst>
+          </a:blip>
+          <a:stretch>
+            <a:fillRect/>
+          </a:stretch>
+        </p:blipFill>
+        <p:spPr>
+          <a:xfrm>
+            <a:off x="4143681" y="3535774"/>
+            <a:ext cx="3017636" cy="5880720"/>
+          </a:xfrm>
+          <a:prstGeom prst="rect">
+            <a:avLst/>
+          </a:prstGeom>
+        </p:spPr>
+      </p:pic>
     </p:spTree>
     <p:extLst>
       <p:ext uri="{BB962C8B-B14F-4D97-AF65-F5344CB8AC3E}">

--- a/現状/構造モデル.pptx
+++ b/現状/構造モデル.pptx
@@ -4494,7 +4494,7 @@
         </p:nvSpPr>
         <p:spPr>
           <a:xfrm>
-            <a:off x="100800" y="912168"/>
+            <a:off x="72107" y="840160"/>
             <a:ext cx="12600000" cy="8640960"/>
           </a:xfrm>
           <a:prstGeom prst="rect">
@@ -5376,36 +5376,6 @@
       </p:cxnSp>
       <p:pic>
         <p:nvPicPr>
-          <p:cNvPr id="172" name="図 171">
-            <a:extLst>
-              <a:ext uri="{FF2B5EF4-FFF2-40B4-BE49-F238E27FC236}">
-                <a16:creationId xmlns:a16="http://schemas.microsoft.com/office/drawing/2014/main" id="{4B59130A-4F41-4B07-8795-54FC5409E7EB}"/>
-              </a:ext>
-            </a:extLst>
-          </p:cNvPr>
-          <p:cNvPicPr>
-            <a:picLocks noChangeAspect="1"/>
-          </p:cNvPicPr>
-          <p:nvPr/>
-        </p:nvPicPr>
-        <p:blipFill>
-          <a:blip r:embed="rId3"/>
-          <a:stretch>
-            <a:fillRect/>
-          </a:stretch>
-        </p:blipFill>
-        <p:spPr>
-          <a:xfrm>
-            <a:off x="7425958" y="5808712"/>
-            <a:ext cx="5207063" cy="3564272"/>
-          </a:xfrm>
-          <a:prstGeom prst="rect">
-            <a:avLst/>
-          </a:prstGeom>
-        </p:spPr>
-      </p:pic>
-      <p:pic>
-        <p:nvPicPr>
           <p:cNvPr id="183" name="図 182">
             <a:extLst>
               <a:ext uri="{FF2B5EF4-FFF2-40B4-BE49-F238E27FC236}">
@@ -5419,7 +5389,7 @@
           <p:nvPr/>
         </p:nvPicPr>
         <p:blipFill>
-          <a:blip r:embed="rId4">
+          <a:blip r:embed="rId3">
             <a:extLst>
               <a:ext uri="{28A0092B-C50C-407E-A947-70E740481C1C}">
                 <a14:useLocalDpi xmlns:a14="http://schemas.microsoft.com/office/drawing/2010/main" val="0"/>
@@ -5455,7 +5425,7 @@
           <p:nvPr/>
         </p:nvPicPr>
         <p:blipFill>
-          <a:blip r:embed="rId5"/>
+          <a:blip r:embed="rId4"/>
           <a:stretch>
             <a:fillRect/>
           </a:stretch>
@@ -5485,14 +5455,14 @@
           <p:nvPr/>
         </p:nvPicPr>
         <p:blipFill>
-          <a:blip r:embed="rId6"/>
+          <a:blip r:embed="rId5"/>
           <a:stretch>
             <a:fillRect/>
           </a:stretch>
         </p:blipFill>
         <p:spPr>
           <a:xfrm>
-            <a:off x="194973" y="6843664"/>
+            <a:off x="397095" y="6843664"/>
             <a:ext cx="3663401" cy="2637456"/>
           </a:xfrm>
           <a:prstGeom prst="rect">
@@ -5558,7 +5528,7 @@
           <p:nvPr/>
         </p:nvPicPr>
         <p:blipFill>
-          <a:blip r:embed="rId7">
+          <a:blip r:embed="rId6">
             <a:extLst>
               <a:ext uri="{28A0092B-C50C-407E-A947-70E740481C1C}">
                 <a14:useLocalDpi xmlns:a14="http://schemas.microsoft.com/office/drawing/2010/main" val="0"/>
@@ -5579,6 +5549,159 @@
           </a:prstGeom>
         </p:spPr>
       </p:pic>
+      <p:pic>
+        <p:nvPicPr>
+          <p:cNvPr id="8" name="図 7">
+            <a:extLst>
+              <a:ext uri="{FF2B5EF4-FFF2-40B4-BE49-F238E27FC236}">
+                <a16:creationId xmlns:a16="http://schemas.microsoft.com/office/drawing/2014/main" id="{A1430FE9-1937-4E78-8008-0A4B945F76DB}"/>
+              </a:ext>
+            </a:extLst>
+          </p:cNvPr>
+          <p:cNvPicPr>
+            <a:picLocks noChangeAspect="1"/>
+          </p:cNvPicPr>
+          <p:nvPr/>
+        </p:nvPicPr>
+        <p:blipFill>
+          <a:blip r:embed="rId7"/>
+          <a:stretch>
+            <a:fillRect/>
+          </a:stretch>
+        </p:blipFill>
+        <p:spPr>
+          <a:xfrm>
+            <a:off x="7488970" y="4606982"/>
+            <a:ext cx="5140471" cy="4874138"/>
+          </a:xfrm>
+          <a:prstGeom prst="rect">
+            <a:avLst/>
+          </a:prstGeom>
+        </p:spPr>
+      </p:pic>
+      <p:sp>
+        <p:nvSpPr>
+          <p:cNvPr id="31" name="テキスト ボックス 30">
+            <a:extLst>
+              <a:ext uri="{FF2B5EF4-FFF2-40B4-BE49-F238E27FC236}">
+                <a16:creationId xmlns:a16="http://schemas.microsoft.com/office/drawing/2014/main" id="{6B40DD60-3B56-42E8-A561-2ABDE7CB3975}"/>
+              </a:ext>
+            </a:extLst>
+          </p:cNvPr>
+          <p:cNvSpPr txBox="1"/>
+          <p:nvPr/>
+        </p:nvSpPr>
+        <p:spPr>
+          <a:xfrm>
+            <a:off x="7479948" y="1066431"/>
+            <a:ext cx="2033121" cy="338554"/>
+          </a:xfrm>
+          <a:prstGeom prst="rect">
+            <a:avLst/>
+          </a:prstGeom>
+          <a:noFill/>
+        </p:spPr>
+        <p:txBody>
+          <a:bodyPr wrap="square" rtlCol="0">
+            <a:spAutoFit/>
+          </a:bodyPr>
+          <a:lstStyle/>
+          <a:p>
+            <a:r>
+              <a:rPr lang="ja-JP" altLang="en-US" b="1" dirty="0">
+                <a:latin typeface="HG丸ｺﾞｼｯｸM-PRO" panose="020F0600000000000000" pitchFamily="50" charset="-128"/>
+                <a:ea typeface="HG丸ｺﾞｼｯｸM-PRO" panose="020F0600000000000000" pitchFamily="50" charset="-128"/>
+              </a:rPr>
+              <a:t>３．部品の定義</a:t>
+            </a:r>
+            <a:endParaRPr lang="en-US" altLang="ja-JP" b="1" dirty="0">
+              <a:latin typeface="HG丸ｺﾞｼｯｸM-PRO" panose="020F0600000000000000" pitchFamily="50" charset="-128"/>
+              <a:ea typeface="HG丸ｺﾞｼｯｸM-PRO" panose="020F0600000000000000" pitchFamily="50" charset="-128"/>
+            </a:endParaRPr>
+          </a:p>
+        </p:txBody>
+      </p:sp>
+      <p:cxnSp>
+        <p:nvCxnSpPr>
+          <p:cNvPr id="32" name="直線コネクタ 31">
+            <a:extLst>
+              <a:ext uri="{FF2B5EF4-FFF2-40B4-BE49-F238E27FC236}">
+                <a16:creationId xmlns:a16="http://schemas.microsoft.com/office/drawing/2014/main" id="{AB3BAA60-22E0-4DE9-95B6-563F487F0A6F}"/>
+              </a:ext>
+            </a:extLst>
+          </p:cNvPr>
+          <p:cNvCxnSpPr>
+            <a:cxnSpLocks/>
+          </p:cNvCxnSpPr>
+          <p:nvPr/>
+        </p:nvCxnSpPr>
+        <p:spPr>
+          <a:xfrm>
+            <a:off x="7479948" y="1454475"/>
+            <a:ext cx="4969524" cy="0"/>
+          </a:xfrm>
+          <a:prstGeom prst="line">
+            <a:avLst/>
+          </a:prstGeom>
+          <a:ln w="38100">
+            <a:solidFill>
+              <a:schemeClr val="accent6"/>
+            </a:solidFill>
+          </a:ln>
+        </p:spPr>
+        <p:style>
+          <a:lnRef idx="1">
+            <a:schemeClr val="accent1"/>
+          </a:lnRef>
+          <a:fillRef idx="0">
+            <a:schemeClr val="accent1"/>
+          </a:fillRef>
+          <a:effectRef idx="0">
+            <a:schemeClr val="accent1"/>
+          </a:effectRef>
+          <a:fontRef idx="minor">
+            <a:schemeClr val="tx1"/>
+          </a:fontRef>
+        </p:style>
+      </p:cxnSp>
+      <p:sp>
+        <p:nvSpPr>
+          <p:cNvPr id="18" name="テキスト ボックス 17">
+            <a:extLst>
+              <a:ext uri="{FF2B5EF4-FFF2-40B4-BE49-F238E27FC236}">
+                <a16:creationId xmlns:a16="http://schemas.microsoft.com/office/drawing/2014/main" id="{77E66A07-6580-4303-AB88-DEF042E624A0}"/>
+              </a:ext>
+            </a:extLst>
+          </p:cNvPr>
+          <p:cNvSpPr txBox="1"/>
+          <p:nvPr/>
+        </p:nvSpPr>
+        <p:spPr>
+          <a:xfrm>
+            <a:off x="7417014" y="1498604"/>
+            <a:ext cx="4312375" cy="307777"/>
+          </a:xfrm>
+          <a:prstGeom prst="rect">
+            <a:avLst/>
+          </a:prstGeom>
+          <a:noFill/>
+        </p:spPr>
+        <p:txBody>
+          <a:bodyPr wrap="square" rtlCol="0">
+            <a:spAutoFit/>
+          </a:bodyPr>
+          <a:lstStyle/>
+          <a:p>
+            <a:r>
+              <a:rPr kumimoji="1" lang="ja-JP" altLang="en-US" sz="1400" dirty="0">
+                <a:latin typeface="HG丸ｺﾞｼｯｸM-PRO" panose="020F0600000000000000" pitchFamily="50" charset="-128"/>
+                <a:ea typeface="HG丸ｺﾞｼｯｸM-PRO" panose="020F0600000000000000" pitchFamily="50" charset="-128"/>
+              </a:rPr>
+              <a:t>機能を実現するために必要な部品を以下の表に示す。</a:t>
+            </a:r>
+          </a:p>
+        </p:txBody>
+      </p:sp>
     </p:spTree>
     <p:extLst>
       <p:ext uri="{BB962C8B-B14F-4D97-AF65-F5344CB8AC3E}">
@@ -5609,6 +5732,58 @@
           <a:chExt cx="0" cy="0"/>
         </a:xfrm>
       </p:grpSpPr>
+      <p:sp>
+        <p:nvSpPr>
+          <p:cNvPr id="14" name="四角形: 角を丸くする 13">
+            <a:extLst>
+              <a:ext uri="{FF2B5EF4-FFF2-40B4-BE49-F238E27FC236}">
+                <a16:creationId xmlns:a16="http://schemas.microsoft.com/office/drawing/2014/main" id="{5DFFF80D-32F6-4641-A456-86DEF48B839E}"/>
+              </a:ext>
+            </a:extLst>
+          </p:cNvPr>
+          <p:cNvSpPr/>
+          <p:nvPr/>
+        </p:nvSpPr>
+        <p:spPr>
+          <a:xfrm>
+            <a:off x="5150181" y="408112"/>
+            <a:ext cx="2520000" cy="1080368"/>
+          </a:xfrm>
+          <a:prstGeom prst="roundRect">
+            <a:avLst/>
+          </a:prstGeom>
+          <a:ln w="28575">
+            <a:solidFill>
+              <a:schemeClr val="accent6">
+                <a:lumMod val="60000"/>
+                <a:lumOff val="40000"/>
+              </a:schemeClr>
+            </a:solidFill>
+          </a:ln>
+        </p:spPr>
+        <p:style>
+          <a:lnRef idx="2">
+            <a:schemeClr val="accent6"/>
+          </a:lnRef>
+          <a:fillRef idx="1">
+            <a:schemeClr val="lt1"/>
+          </a:fillRef>
+          <a:effectRef idx="0">
+            <a:schemeClr val="accent6"/>
+          </a:effectRef>
+          <a:fontRef idx="minor">
+            <a:schemeClr val="dk1"/>
+          </a:fontRef>
+        </p:style>
+        <p:txBody>
+          <a:bodyPr rtlCol="0" anchor="ctr"/>
+          <a:lstStyle/>
+          <a:p>
+            <a:pPr algn="ctr"/>
+            <a:endParaRPr kumimoji="1" lang="ja-JP" altLang="en-US"/>
+          </a:p>
+        </p:txBody>
+      </p:sp>
       <p:sp>
         <p:nvSpPr>
           <p:cNvPr id="13" name="四角形: 角を丸くする 12">
@@ -5665,58 +5840,6 @@
       </p:sp>
       <p:sp>
         <p:nvSpPr>
-          <p:cNvPr id="14" name="四角形: 角を丸くする 13">
-            <a:extLst>
-              <a:ext uri="{FF2B5EF4-FFF2-40B4-BE49-F238E27FC236}">
-                <a16:creationId xmlns:a16="http://schemas.microsoft.com/office/drawing/2014/main" id="{5DFFF80D-32F6-4641-A456-86DEF48B839E}"/>
-              </a:ext>
-            </a:extLst>
-          </p:cNvPr>
-          <p:cNvSpPr/>
-          <p:nvPr/>
-        </p:nvSpPr>
-        <p:spPr>
-          <a:xfrm>
-            <a:off x="5150181" y="408112"/>
-            <a:ext cx="2520000" cy="1080368"/>
-          </a:xfrm>
-          <a:prstGeom prst="roundRect">
-            <a:avLst/>
-          </a:prstGeom>
-          <a:ln w="28575">
-            <a:solidFill>
-              <a:schemeClr val="accent6">
-                <a:lumMod val="60000"/>
-                <a:lumOff val="40000"/>
-              </a:schemeClr>
-            </a:solidFill>
-          </a:ln>
-        </p:spPr>
-        <p:style>
-          <a:lnRef idx="2">
-            <a:schemeClr val="accent6"/>
-          </a:lnRef>
-          <a:fillRef idx="1">
-            <a:schemeClr val="lt1"/>
-          </a:fillRef>
-          <a:effectRef idx="0">
-            <a:schemeClr val="accent6"/>
-          </a:effectRef>
-          <a:fontRef idx="minor">
-            <a:schemeClr val="dk1"/>
-          </a:fontRef>
-        </p:style>
-        <p:txBody>
-          <a:bodyPr rtlCol="0" anchor="ctr"/>
-          <a:lstStyle/>
-          <a:p>
-            <a:pPr algn="ctr"/>
-            <a:endParaRPr kumimoji="1" lang="ja-JP" altLang="en-US"/>
-          </a:p>
-        </p:txBody>
-      </p:sp>
-      <p:sp>
-        <p:nvSpPr>
           <p:cNvPr id="12" name="四角形: 角を丸くする 11">
             <a:extLst>
               <a:ext uri="{FF2B5EF4-FFF2-40B4-BE49-F238E27FC236}">
@@ -5864,10 +5987,10 @@
       </p:sp>
       <p:pic>
         <p:nvPicPr>
-          <p:cNvPr id="39" name="図 38">
+          <p:cNvPr id="7" name="図 6">
             <a:extLst>
               <a:ext uri="{FF2B5EF4-FFF2-40B4-BE49-F238E27FC236}">
-                <a16:creationId xmlns:a16="http://schemas.microsoft.com/office/drawing/2014/main" id="{044F06F4-FBAB-46FE-AF37-D9C61F064CC1}"/>
+                <a16:creationId xmlns:a16="http://schemas.microsoft.com/office/drawing/2014/main" id="{C5E15713-2FAB-432C-9262-A2D5B4E269F6}"/>
               </a:ext>
             </a:extLst>
           </p:cNvPr>
@@ -5890,8 +6013,8 @@
         </p:blipFill>
         <p:spPr>
           <a:xfrm>
-            <a:off x="208112" y="2038982"/>
-            <a:ext cx="12301664" cy="7496944"/>
+            <a:off x="503187" y="2133510"/>
+            <a:ext cx="12054549" cy="7377847"/>
           </a:xfrm>
           <a:prstGeom prst="rect">
             <a:avLst/>
@@ -6503,7 +6626,7 @@
           <p:nvPr>
             <p:extLst>
               <p:ext uri="{D42A27DB-BD31-4B8C-83A1-F6EECF244321}">
-                <p14:modId xmlns:p14="http://schemas.microsoft.com/office/powerpoint/2010/main" val="169189632"/>
+                <p14:modId xmlns:p14="http://schemas.microsoft.com/office/powerpoint/2010/main" val="3047501200"/>
               </p:ext>
             </p:extLst>
           </p:nvPr>
@@ -6720,7 +6843,7 @@
                       <a:pPr algn="ctr"/>
                       <a:r>
                         <a:rPr kumimoji="1" lang="ja-JP" altLang="en-US" sz="900" dirty="0"/>
-                        <a:t>走行デバイス</a:t>
+                        <a:t>デバイス</a:t>
                       </a:r>
                     </a:p>
                   </a:txBody>
@@ -6947,7 +7070,7 @@
         <p:spPr>
           <a:xfrm>
             <a:off x="7552928" y="1010485"/>
-            <a:ext cx="0" cy="2854011"/>
+            <a:ext cx="0" cy="2926019"/>
           </a:xfrm>
           <a:prstGeom prst="line">
             <a:avLst/>
@@ -6969,12 +7092,50 @@
           </a:fontRef>
         </p:style>
       </p:cxnSp>
+      <p:cxnSp>
+        <p:nvCxnSpPr>
+          <p:cNvPr id="33" name="直線コネクタ 32">
+            <a:extLst>
+              <a:ext uri="{FF2B5EF4-FFF2-40B4-BE49-F238E27FC236}">
+                <a16:creationId xmlns:a16="http://schemas.microsoft.com/office/drawing/2014/main" id="{2B9B4F1E-2D9C-4C33-AB0B-D1C22FBB9B5C}"/>
+              </a:ext>
+            </a:extLst>
+          </p:cNvPr>
+          <p:cNvCxnSpPr>
+            <a:cxnSpLocks/>
+          </p:cNvCxnSpPr>
+          <p:nvPr/>
+        </p:nvCxnSpPr>
+        <p:spPr>
+          <a:xfrm flipH="1">
+            <a:off x="208113" y="3936504"/>
+            <a:ext cx="7344815" cy="0"/>
+          </a:xfrm>
+          <a:prstGeom prst="line">
+            <a:avLst/>
+          </a:prstGeom>
+        </p:spPr>
+        <p:style>
+          <a:lnRef idx="2">
+            <a:schemeClr val="accent6"/>
+          </a:lnRef>
+          <a:fillRef idx="0">
+            <a:schemeClr val="accent6"/>
+          </a:fillRef>
+          <a:effectRef idx="1">
+            <a:schemeClr val="accent6"/>
+          </a:effectRef>
+          <a:fontRef idx="minor">
+            <a:schemeClr val="tx1"/>
+          </a:fontRef>
+        </p:style>
+      </p:cxnSp>
       <p:pic>
         <p:nvPicPr>
-          <p:cNvPr id="92" name="図 91">
+          <p:cNvPr id="18" name="図 17">
             <a:extLst>
               <a:ext uri="{FF2B5EF4-FFF2-40B4-BE49-F238E27FC236}">
-                <a16:creationId xmlns:a16="http://schemas.microsoft.com/office/drawing/2014/main" id="{293056CF-B10F-467F-8647-74B8C84437A8}"/>
+                <a16:creationId xmlns:a16="http://schemas.microsoft.com/office/drawing/2014/main" id="{9E5DDE6D-4B05-443D-8465-11AB689D749A}"/>
               </a:ext>
             </a:extLst>
           </p:cNvPr>
@@ -6997,52 +7158,14 @@
         </p:blipFill>
         <p:spPr>
           <a:xfrm>
-            <a:off x="243864" y="1940935"/>
-            <a:ext cx="2772140" cy="1746291"/>
+            <a:off x="181861" y="1867323"/>
+            <a:ext cx="2865098" cy="1804850"/>
           </a:xfrm>
           <a:prstGeom prst="rect">
             <a:avLst/>
           </a:prstGeom>
         </p:spPr>
       </p:pic>
-      <p:cxnSp>
-        <p:nvCxnSpPr>
-          <p:cNvPr id="33" name="直線コネクタ 32">
-            <a:extLst>
-              <a:ext uri="{FF2B5EF4-FFF2-40B4-BE49-F238E27FC236}">
-                <a16:creationId xmlns:a16="http://schemas.microsoft.com/office/drawing/2014/main" id="{2B9B4F1E-2D9C-4C33-AB0B-D1C22FBB9B5C}"/>
-              </a:ext>
-            </a:extLst>
-          </p:cNvPr>
-          <p:cNvCxnSpPr>
-            <a:cxnSpLocks/>
-          </p:cNvCxnSpPr>
-          <p:nvPr/>
-        </p:nvCxnSpPr>
-        <p:spPr>
-          <a:xfrm flipH="1">
-            <a:off x="208113" y="3864496"/>
-            <a:ext cx="7344815" cy="0"/>
-          </a:xfrm>
-          <a:prstGeom prst="line">
-            <a:avLst/>
-          </a:prstGeom>
-        </p:spPr>
-        <p:style>
-          <a:lnRef idx="2">
-            <a:schemeClr val="accent6"/>
-          </a:lnRef>
-          <a:fillRef idx="0">
-            <a:schemeClr val="accent6"/>
-          </a:fillRef>
-          <a:effectRef idx="1">
-            <a:schemeClr val="accent6"/>
-          </a:effectRef>
-          <a:fontRef idx="minor">
-            <a:schemeClr val="tx1"/>
-          </a:fontRef>
-        </p:style>
-      </p:cxnSp>
     </p:spTree>
     <p:extLst>
       <p:ext uri="{BB962C8B-B14F-4D97-AF65-F5344CB8AC3E}">
